--- a/4 ⚙️ Solution/20 🧑‍🦰 UI/23 💬 Chats/.📎 Assets/💬 .pptx
+++ b/4 ⚙️ Solution/20 🧑‍🦰 UI/23 💬 Chats/.📎 Assets/💬 .pptx
@@ -5,41 +5,42 @@
     <p:sldMasterId id="2147483648" r:id="rId1"/>
   </p:sldMasterIdLst>
   <p:notesMasterIdLst>
-    <p:notesMasterId r:id="rId7"/>
+    <p:notesMasterId r:id="rId8"/>
   </p:notesMasterIdLst>
   <p:handoutMasterIdLst>
-    <p:handoutMasterId r:id="rId8"/>
+    <p:handoutMasterId r:id="rId9"/>
   </p:handoutMasterIdLst>
   <p:sldIdLst>
     <p:sldId id="1825" r:id="rId2"/>
     <p:sldId id="1696" r:id="rId3"/>
-    <p:sldId id="1714" r:id="rId4"/>
-    <p:sldId id="1721" r:id="rId5"/>
-    <p:sldId id="1712" r:id="rId6"/>
+    <p:sldId id="1826" r:id="rId4"/>
+    <p:sldId id="1714" r:id="rId5"/>
+    <p:sldId id="1721" r:id="rId6"/>
+    <p:sldId id="1712" r:id="rId7"/>
   </p:sldIdLst>
   <p:sldSz cx="12192000" cy="6858000"/>
   <p:notesSz cx="6858000" cy="9144000"/>
   <p:embeddedFontLst>
     <p:embeddedFont>
       <p:font typeface="Amazon Ember" panose="020B0603020204020204" pitchFamily="34" charset="0"/>
-      <p:regular r:id="rId9"/>
-      <p:bold r:id="rId10"/>
-      <p:italic r:id="rId11"/>
-      <p:boldItalic r:id="rId12"/>
+      <p:regular r:id="rId10"/>
+      <p:bold r:id="rId11"/>
+      <p:italic r:id="rId12"/>
+      <p:boldItalic r:id="rId13"/>
     </p:embeddedFont>
     <p:embeddedFont>
-      <p:font typeface="Amazon Ember Display" panose="020B0603020204020204" pitchFamily="34" charset="0"/>
-      <p:regular r:id="rId13"/>
-      <p:bold r:id="rId14"/>
-      <p:italic r:id="rId15"/>
-      <p:boldItalic r:id="rId16"/>
+      <p:font typeface="Amazon Ember Display" panose="020F0603020204020204" pitchFamily="34" charset="0"/>
+      <p:regular r:id="rId14"/>
+      <p:bold r:id="rId15"/>
+      <p:italic r:id="rId16"/>
+      <p:boldItalic r:id="rId17"/>
     </p:embeddedFont>
     <p:embeddedFont>
       <p:font typeface="Segoe UI" panose="020B0502040204020203" pitchFamily="34" charset="0"/>
-      <p:regular r:id="rId17"/>
-      <p:bold r:id="rId18"/>
-      <p:italic r:id="rId19"/>
-      <p:boldItalic r:id="rId20"/>
+      <p:regular r:id="rId18"/>
+      <p:bold r:id="rId19"/>
+      <p:italic r:id="rId20"/>
+      <p:boldItalic r:id="rId21"/>
     </p:embeddedFont>
   </p:embeddedFontLst>
   <p:defaultTextStyle>
@@ -144,6 +145,7 @@
           <p14:sldIdLst>
             <p14:sldId id="1825"/>
             <p14:sldId id="1696"/>
+            <p14:sldId id="1826"/>
             <p14:sldId id="1714"/>
             <p14:sldId id="1721"/>
             <p14:sldId id="1712"/>
@@ -719,7 +721,7 @@
           <a:p>
             <a:fld id="{542F96DF-134D-4F6A-BFA6-E032E504EEEB}" type="datetime8">
               <a:rPr lang="en-US" smtClean="0"/>
-              <a:t>4/22/25 9:15 PM</a:t>
+              <a:t>9/12/25 10:05 AM</a:t>
             </a:fld>
             <a:endParaRPr lang="en-US" dirty="0"/>
           </a:p>
@@ -769,6 +771,213 @@
 </file>
 
 <file path=ppt/notesSlides/notesSlide2.xml><?xml version="1.0" encoding="utf-8"?>
+<p:notes xmlns:a="http://schemas.openxmlformats.org/drawingml/2006/main" xmlns:r="http://schemas.openxmlformats.org/officeDocument/2006/relationships" xmlns:p="http://schemas.openxmlformats.org/presentationml/2006/main">
+  <p:cSld>
+    <p:spTree>
+      <p:nvGrpSpPr>
+        <p:cNvPr id="1" name="">
+          <a:extLst>
+            <a:ext uri="{FF2B5EF4-FFF2-40B4-BE49-F238E27FC236}">
+              <a16:creationId xmlns:a16="http://schemas.microsoft.com/office/drawing/2014/main" id="{7BD335FD-5C76-19D6-8C34-F2B00A127C17}"/>
+            </a:ext>
+          </a:extLst>
+        </p:cNvPr>
+        <p:cNvGrpSpPr/>
+        <p:nvPr/>
+      </p:nvGrpSpPr>
+      <p:grpSpPr>
+        <a:xfrm>
+          <a:off x="0" y="0"/>
+          <a:ext cx="0" cy="0"/>
+          <a:chOff x="0" y="0"/>
+          <a:chExt cx="0" cy="0"/>
+        </a:xfrm>
+      </p:grpSpPr>
+      <p:sp>
+        <p:nvSpPr>
+          <p:cNvPr id="2" name="Slide Image Placeholder 1">
+            <a:extLst>
+              <a:ext uri="{FF2B5EF4-FFF2-40B4-BE49-F238E27FC236}">
+                <a16:creationId xmlns:a16="http://schemas.microsoft.com/office/drawing/2014/main" id="{A870D570-4C50-3C47-234C-B7BF7BB3C5E0}"/>
+              </a:ext>
+            </a:extLst>
+          </p:cNvPr>
+          <p:cNvSpPr>
+            <a:spLocks noGrp="1" noRot="1" noChangeAspect="1"/>
+          </p:cNvSpPr>
+          <p:nvPr>
+            <p:ph type="sldImg"/>
+          </p:nvPr>
+        </p:nvSpPr>
+        <p:spPr>
+          <a:xfrm>
+            <a:off x="438150" y="457200"/>
+            <a:ext cx="5981700" cy="3363913"/>
+          </a:xfrm>
+        </p:spPr>
+      </p:sp>
+      <p:sp>
+        <p:nvSpPr>
+          <p:cNvPr id="3" name="Notes Placeholder 2">
+            <a:extLst>
+              <a:ext uri="{FF2B5EF4-FFF2-40B4-BE49-F238E27FC236}">
+                <a16:creationId xmlns:a16="http://schemas.microsoft.com/office/drawing/2014/main" id="{D74ADEA8-5AD3-A490-6247-C9D4840ACFA2}"/>
+              </a:ext>
+            </a:extLst>
+          </p:cNvPr>
+          <p:cNvSpPr>
+            <a:spLocks noGrp="1"/>
+          </p:cNvSpPr>
+          <p:nvPr>
+            <p:ph type="body" idx="1"/>
+          </p:nvPr>
+        </p:nvSpPr>
+        <p:spPr/>
+        <p:txBody>
+          <a:bodyPr/>
+          <a:lstStyle/>
+          <a:p>
+            <a:endParaRPr lang="en-US" dirty="0"/>
+          </a:p>
+        </p:txBody>
+      </p:sp>
+      <p:sp>
+        <p:nvSpPr>
+          <p:cNvPr id="4" name="Header Placeholder 3">
+            <a:extLst>
+              <a:ext uri="{FF2B5EF4-FFF2-40B4-BE49-F238E27FC236}">
+                <a16:creationId xmlns:a16="http://schemas.microsoft.com/office/drawing/2014/main" id="{C92D0E9F-6395-39D9-199C-FAE6842F9178}"/>
+              </a:ext>
+            </a:extLst>
+          </p:cNvPr>
+          <p:cNvSpPr>
+            <a:spLocks noGrp="1"/>
+          </p:cNvSpPr>
+          <p:nvPr>
+            <p:ph type="hdr" sz="quarter" idx="10"/>
+          </p:nvPr>
+        </p:nvSpPr>
+        <p:spPr/>
+        <p:txBody>
+          <a:bodyPr/>
+          <a:lstStyle/>
+          <a:p>
+            <a:endParaRPr lang="en-US" dirty="0"/>
+          </a:p>
+        </p:txBody>
+      </p:sp>
+      <p:sp>
+        <p:nvSpPr>
+          <p:cNvPr id="5" name="Footer Placeholder 4">
+            <a:extLst>
+              <a:ext uri="{FF2B5EF4-FFF2-40B4-BE49-F238E27FC236}">
+                <a16:creationId xmlns:a16="http://schemas.microsoft.com/office/drawing/2014/main" id="{3EB81117-FB84-2D44-1648-55CAF04D86E2}"/>
+              </a:ext>
+            </a:extLst>
+          </p:cNvPr>
+          <p:cNvSpPr>
+            <a:spLocks noGrp="1"/>
+          </p:cNvSpPr>
+          <p:nvPr>
+            <p:ph type="ftr" sz="quarter" idx="11"/>
+          </p:nvPr>
+        </p:nvSpPr>
+        <p:spPr/>
+        <p:txBody>
+          <a:bodyPr/>
+          <a:lstStyle/>
+          <a:p>
+            <a:pPr defTabSz="914099" eaLnBrk="0" hangingPunct="0"/>
+            <a:endParaRPr lang="en-US" sz="400" dirty="0">
+              <a:gradFill>
+                <a:gsLst>
+                  <a:gs pos="0">
+                    <a:prstClr val="black"/>
+                  </a:gs>
+                  <a:gs pos="100000">
+                    <a:prstClr val="black"/>
+                  </a:gs>
+                </a:gsLst>
+                <a:lin ang="5400000" scaled="0"/>
+              </a:gradFill>
+              <a:ea typeface="Segoe UI" pitchFamily="34" charset="0"/>
+            </a:endParaRPr>
+          </a:p>
+        </p:txBody>
+      </p:sp>
+      <p:sp>
+        <p:nvSpPr>
+          <p:cNvPr id="6" name="Date Placeholder 5">
+            <a:extLst>
+              <a:ext uri="{FF2B5EF4-FFF2-40B4-BE49-F238E27FC236}">
+                <a16:creationId xmlns:a16="http://schemas.microsoft.com/office/drawing/2014/main" id="{96D4AEAE-41B3-B83D-4301-6BF772935890}"/>
+              </a:ext>
+            </a:extLst>
+          </p:cNvPr>
+          <p:cNvSpPr>
+            <a:spLocks noGrp="1"/>
+          </p:cNvSpPr>
+          <p:nvPr>
+            <p:ph type="dt" idx="12"/>
+          </p:nvPr>
+        </p:nvSpPr>
+        <p:spPr/>
+        <p:txBody>
+          <a:bodyPr/>
+          <a:lstStyle/>
+          <a:p>
+            <a:fld id="{542F96DF-134D-4F6A-BFA6-E032E504EEEB}" type="datetime8">
+              <a:rPr lang="en-US" smtClean="0"/>
+              <a:t>9/12/25 10:08 AM</a:t>
+            </a:fld>
+            <a:endParaRPr lang="en-US" dirty="0"/>
+          </a:p>
+        </p:txBody>
+      </p:sp>
+      <p:sp>
+        <p:nvSpPr>
+          <p:cNvPr id="7" name="Slide Number Placeholder 6">
+            <a:extLst>
+              <a:ext uri="{FF2B5EF4-FFF2-40B4-BE49-F238E27FC236}">
+                <a16:creationId xmlns:a16="http://schemas.microsoft.com/office/drawing/2014/main" id="{B092EA41-D884-14DB-D4E7-417166E18992}"/>
+              </a:ext>
+            </a:extLst>
+          </p:cNvPr>
+          <p:cNvSpPr>
+            <a:spLocks noGrp="1"/>
+          </p:cNvSpPr>
+          <p:nvPr>
+            <p:ph type="sldNum" sz="quarter" idx="13"/>
+          </p:nvPr>
+        </p:nvSpPr>
+        <p:spPr/>
+        <p:txBody>
+          <a:bodyPr/>
+          <a:lstStyle/>
+          <a:p>
+            <a:fld id="{B4008EB6-D09E-4580-8CD6-DDB14511944F}" type="slidenum">
+              <a:rPr lang="en-US" smtClean="0"/>
+              <a:pPr/>
+              <a:t>3</a:t>
+            </a:fld>
+            <a:endParaRPr lang="en-US" dirty="0"/>
+          </a:p>
+        </p:txBody>
+      </p:sp>
+    </p:spTree>
+    <p:extLst>
+      <p:ext uri="{BB962C8B-B14F-4D97-AF65-F5344CB8AC3E}">
+        <p14:creationId xmlns:p14="http://schemas.microsoft.com/office/powerpoint/2010/main" val="3243121682"/>
+      </p:ext>
+    </p:extLst>
+  </p:cSld>
+  <p:clrMapOvr>
+    <a:masterClrMapping/>
+  </p:clrMapOvr>
+</p:notes>
+</file>
+
+<file path=ppt/notesSlides/notesSlide3.xml><?xml version="1.0" encoding="utf-8"?>
 <p:notes xmlns:a="http://schemas.openxmlformats.org/drawingml/2006/main" xmlns:r="http://schemas.openxmlformats.org/officeDocument/2006/relationships" xmlns:p="http://schemas.openxmlformats.org/presentationml/2006/main">
   <p:cSld>
     <p:spTree>
@@ -926,7 +1135,7 @@
           <a:p>
             <a:fld id="{542F96DF-134D-4F6A-BFA6-E032E504EEEB}" type="datetime8">
               <a:rPr lang="en-US" smtClean="0"/>
-              <a:t>4/22/25 9:15 PM</a:t>
+              <a:t>9/12/25 10:05 AM</a:t>
             </a:fld>
             <a:endParaRPr lang="en-US" dirty="0"/>
           </a:p>
@@ -956,7 +1165,7 @@
             <a:fld id="{B4008EB6-D09E-4580-8CD6-DDB14511944F}" type="slidenum">
               <a:rPr lang="en-US" smtClean="0"/>
               <a:pPr/>
-              <a:t>3</a:t>
+              <a:t>4</a:t>
             </a:fld>
             <a:endParaRPr lang="en-US" dirty="0"/>
           </a:p>
@@ -975,7 +1184,7 @@
 </p:notes>
 </file>
 
-<file path=ppt/notesSlides/notesSlide3.xml><?xml version="1.0" encoding="utf-8"?>
+<file path=ppt/notesSlides/notesSlide4.xml><?xml version="1.0" encoding="utf-8"?>
 <p:notes xmlns:a="http://schemas.openxmlformats.org/drawingml/2006/main" xmlns:r="http://schemas.openxmlformats.org/officeDocument/2006/relationships" xmlns:p="http://schemas.openxmlformats.org/presentationml/2006/main">
   <p:cSld>
     <p:spTree>
@@ -1133,7 +1342,7 @@
           <a:p>
             <a:fld id="{542F96DF-134D-4F6A-BFA6-E032E504EEEB}" type="datetime8">
               <a:rPr lang="en-US" smtClean="0"/>
-              <a:t>4/22/25 9:15 PM</a:t>
+              <a:t>9/12/25 10:05 AM</a:t>
             </a:fld>
             <a:endParaRPr lang="en-US" dirty="0"/>
           </a:p>
@@ -1163,7 +1372,7 @@
             <a:fld id="{B4008EB6-D09E-4580-8CD6-DDB14511944F}" type="slidenum">
               <a:rPr lang="en-US" smtClean="0"/>
               <a:pPr/>
-              <a:t>4</a:t>
+              <a:t>5</a:t>
             </a:fld>
             <a:endParaRPr lang="en-US" dirty="0"/>
           </a:p>
@@ -1182,7 +1391,7 @@
 </p:notes>
 </file>
 
-<file path=ppt/notesSlides/notesSlide4.xml><?xml version="1.0" encoding="utf-8"?>
+<file path=ppt/notesSlides/notesSlide5.xml><?xml version="1.0" encoding="utf-8"?>
 <p:notes xmlns:a="http://schemas.openxmlformats.org/drawingml/2006/main" xmlns:r="http://schemas.openxmlformats.org/officeDocument/2006/relationships" xmlns:p="http://schemas.openxmlformats.org/presentationml/2006/main">
   <p:cSld>
     <p:spTree>
@@ -1340,7 +1549,7 @@
           <a:p>
             <a:fld id="{542F96DF-134D-4F6A-BFA6-E032E504EEEB}" type="datetime8">
               <a:rPr lang="en-US" smtClean="0"/>
-              <a:t>4/22/25 9:15 PM</a:t>
+              <a:t>9/12/25 10:05 AM</a:t>
             </a:fld>
             <a:endParaRPr lang="en-US" dirty="0"/>
           </a:p>
@@ -1370,7 +1579,7 @@
             <a:fld id="{B4008EB6-D09E-4580-8CD6-DDB14511944F}" type="slidenum">
               <a:rPr lang="en-US" smtClean="0"/>
               <a:pPr/>
-              <a:t>5</a:t>
+              <a:t>6</a:t>
             </a:fld>
             <a:endParaRPr lang="en-US" dirty="0"/>
           </a:p>
@@ -4572,7 +4781,7 @@
         <p:spPr>
           <a:xfrm>
             <a:off x="147264" y="6233934"/>
-            <a:ext cx="945772" cy="523220"/>
+            <a:ext cx="1838645" cy="523220"/>
           </a:xfrm>
           <a:prstGeom prst="rect">
             <a:avLst/>
@@ -4592,7 +4801,7 @@
                   <a:srgbClr val="FFFF00"/>
                 </a:solidFill>
               </a:rPr>
-              <a:t>HOST</a:t>
+              <a:t>HOST #1/2</a:t>
             </a:r>
           </a:p>
         </p:txBody>
@@ -4614,6 +4823,1993 @@
 </file>
 
 <file path=ppt/slides/slide3.xml><?xml version="1.0" encoding="utf-8"?>
+<p:sld xmlns:a="http://schemas.openxmlformats.org/drawingml/2006/main" xmlns:r="http://schemas.openxmlformats.org/officeDocument/2006/relationships" xmlns:p="http://schemas.openxmlformats.org/presentationml/2006/main">
+  <p:cSld>
+    <p:spTree>
+      <p:nvGrpSpPr>
+        <p:cNvPr id="1" name="">
+          <a:extLst>
+            <a:ext uri="{FF2B5EF4-FFF2-40B4-BE49-F238E27FC236}">
+              <a16:creationId xmlns:a16="http://schemas.microsoft.com/office/drawing/2014/main" id="{C85EA6B6-8271-7AA2-8499-5B22CE32608D}"/>
+            </a:ext>
+          </a:extLst>
+        </p:cNvPr>
+        <p:cNvGrpSpPr/>
+        <p:nvPr/>
+      </p:nvGrpSpPr>
+      <p:grpSpPr>
+        <a:xfrm>
+          <a:off x="0" y="0"/>
+          <a:ext cx="0" cy="0"/>
+          <a:chOff x="0" y="0"/>
+          <a:chExt cx="0" cy="0"/>
+        </a:xfrm>
+      </p:grpSpPr>
+      <p:grpSp>
+        <p:nvGrpSpPr>
+          <p:cNvPr id="152" name="Group 151">
+            <a:extLst>
+              <a:ext uri="{FF2B5EF4-FFF2-40B4-BE49-F238E27FC236}">
+                <a16:creationId xmlns:a16="http://schemas.microsoft.com/office/drawing/2014/main" id="{06EA5CF7-C9E9-76A3-9470-3D1FD855EEAC}"/>
+              </a:ext>
+            </a:extLst>
+          </p:cNvPr>
+          <p:cNvGrpSpPr/>
+          <p:nvPr/>
+        </p:nvGrpSpPr>
+        <p:grpSpPr>
+          <a:xfrm>
+            <a:off x="237263" y="1807052"/>
+            <a:ext cx="1504486" cy="1014729"/>
+            <a:chOff x="7507403" y="1006813"/>
+            <a:chExt cx="714587" cy="1014729"/>
+          </a:xfrm>
+        </p:grpSpPr>
+        <p:sp>
+          <p:nvSpPr>
+            <p:cNvPr id="153" name="Rectangle 152">
+              <a:extLst>
+                <a:ext uri="{FF2B5EF4-FFF2-40B4-BE49-F238E27FC236}">
+                  <a16:creationId xmlns:a16="http://schemas.microsoft.com/office/drawing/2014/main" id="{2A8E863A-DB8F-2DBB-FA04-1A4EA18F8CB7}"/>
+                </a:ext>
+              </a:extLst>
+            </p:cNvPr>
+            <p:cNvSpPr/>
+            <p:nvPr/>
+          </p:nvSpPr>
+          <p:spPr>
+            <a:xfrm>
+              <a:off x="7553549" y="1378148"/>
+              <a:ext cx="628958" cy="562183"/>
+            </a:xfrm>
+            <a:prstGeom prst="rect">
+              <a:avLst/>
+            </a:prstGeom>
+            <a:solidFill>
+              <a:schemeClr val="tx1">
+                <a:lumMod val="95000"/>
+              </a:schemeClr>
+            </a:solidFill>
+            <a:ln w="28575">
+              <a:solidFill>
+                <a:schemeClr val="tx1">
+                  <a:lumMod val="50000"/>
+                </a:schemeClr>
+              </a:solidFill>
+              <a:prstDash val="solid"/>
+            </a:ln>
+          </p:spPr>
+          <p:style>
+            <a:lnRef idx="2">
+              <a:schemeClr val="accent1">
+                <a:shade val="50000"/>
+              </a:schemeClr>
+            </a:lnRef>
+            <a:fillRef idx="1">
+              <a:schemeClr val="accent1"/>
+            </a:fillRef>
+            <a:effectRef idx="0">
+              <a:schemeClr val="accent1"/>
+            </a:effectRef>
+            <a:fontRef idx="minor">
+              <a:schemeClr val="lt1"/>
+            </a:fontRef>
+          </p:style>
+          <p:txBody>
+            <a:bodyPr lIns="144000" tIns="144000" rIns="144000" bIns="144000" anchor="ctr"/>
+            <a:lstStyle/>
+            <a:p>
+              <a:r>
+                <a:rPr lang="en-GB" sz="3200" baseline="-9000" dirty="0">
+                  <a:solidFill>
+                    <a:schemeClr val="bg2">
+                      <a:lumMod val="40000"/>
+                      <a:lumOff val="60000"/>
+                    </a:schemeClr>
+                  </a:solidFill>
+                  <a:effectLst>
+                    <a:glow>
+                      <a:schemeClr val="bg1"/>
+                    </a:glow>
+                  </a:effectLst>
+                </a:rPr>
+                <a:t>🤗</a:t>
+              </a:r>
+              <a:r>
+                <a:rPr lang="en-GB" sz="2400" dirty="0">
+                  <a:solidFill>
+                    <a:sysClr val="windowText" lastClr="000000"/>
+                  </a:solidFill>
+                  <a:latin typeface="+mj-lt"/>
+                  <a:cs typeface="Arial" panose="020B0604020202020204" pitchFamily="34" charset="0"/>
+                </a:rPr>
+                <a:t> Host</a:t>
+              </a:r>
+            </a:p>
+          </p:txBody>
+        </p:sp>
+        <p:sp>
+          <p:nvSpPr>
+            <p:cNvPr id="154" name="Rectangle 153">
+              <a:extLst>
+                <a:ext uri="{FF2B5EF4-FFF2-40B4-BE49-F238E27FC236}">
+                  <a16:creationId xmlns:a16="http://schemas.microsoft.com/office/drawing/2014/main" id="{DF3FED7E-EDAC-8515-AE92-6971C196DF17}"/>
+                </a:ext>
+              </a:extLst>
+            </p:cNvPr>
+            <p:cNvSpPr/>
+            <p:nvPr/>
+          </p:nvSpPr>
+          <p:spPr>
+            <a:xfrm>
+              <a:off x="7507403" y="1006813"/>
+              <a:ext cx="714587" cy="1014729"/>
+            </a:xfrm>
+            <a:prstGeom prst="rect">
+              <a:avLst/>
+            </a:prstGeom>
+            <a:noFill/>
+            <a:ln w="12700">
+              <a:solidFill>
+                <a:srgbClr val="5A6B86"/>
+              </a:solidFill>
+              <a:prstDash val="dash"/>
+            </a:ln>
+          </p:spPr>
+          <p:style>
+            <a:lnRef idx="2">
+              <a:schemeClr val="accent1">
+                <a:shade val="50000"/>
+              </a:schemeClr>
+            </a:lnRef>
+            <a:fillRef idx="1">
+              <a:schemeClr val="accent1"/>
+            </a:fillRef>
+            <a:effectRef idx="0">
+              <a:schemeClr val="accent1"/>
+            </a:effectRef>
+            <a:fontRef idx="minor">
+              <a:schemeClr val="lt1"/>
+            </a:fontRef>
+          </p:style>
+          <p:txBody>
+            <a:bodyPr tIns="36000"/>
+            <a:lstStyle/>
+            <a:p>
+              <a:pPr eaLnBrk="1" fontAlgn="auto" hangingPunct="1">
+                <a:spcBef>
+                  <a:spcPts val="0"/>
+                </a:spcBef>
+                <a:spcAft>
+                  <a:spcPts val="0"/>
+                </a:spcAft>
+                <a:defRPr/>
+              </a:pPr>
+              <a:r>
+                <a:rPr lang="en-GB" sz="2000" dirty="0">
+                  <a:solidFill>
+                    <a:schemeClr val="bg2">
+                      <a:lumMod val="40000"/>
+                      <a:lumOff val="60000"/>
+                    </a:schemeClr>
+                  </a:solidFill>
+                  <a:effectLst>
+                    <a:glow>
+                      <a:schemeClr val="bg1"/>
+                    </a:glow>
+                  </a:effectLst>
+                </a:rPr>
+                <a:t>👥</a:t>
+              </a:r>
+              <a:r>
+                <a:rPr lang="en-GB" sz="2000" i="1" dirty="0">
+                  <a:solidFill>
+                    <a:schemeClr val="bg2">
+                      <a:lumMod val="40000"/>
+                      <a:lumOff val="60000"/>
+                    </a:schemeClr>
+                  </a:solidFill>
+                  <a:effectLst>
+                    <a:glow>
+                      <a:schemeClr val="bg1"/>
+                    </a:glow>
+                  </a:effectLst>
+                </a:rPr>
+                <a:t> </a:t>
+              </a:r>
+              <a:r>
+                <a:rPr lang="en-US" sz="2000" i="1" dirty="0">
+                  <a:solidFill>
+                    <a:schemeClr val="bg2">
+                      <a:lumMod val="40000"/>
+                      <a:lumOff val="60000"/>
+                    </a:schemeClr>
+                  </a:solidFill>
+                  <a:effectLst>
+                    <a:glow>
+                      <a:schemeClr val="bg1"/>
+                    </a:glow>
+                  </a:effectLst>
+                </a:rPr>
+                <a:t>domain</a:t>
+              </a:r>
+            </a:p>
+          </p:txBody>
+        </p:sp>
+      </p:grpSp>
+      <p:grpSp>
+        <p:nvGrpSpPr>
+          <p:cNvPr id="165" name="Group 164">
+            <a:extLst>
+              <a:ext uri="{FF2B5EF4-FFF2-40B4-BE49-F238E27FC236}">
+                <a16:creationId xmlns:a16="http://schemas.microsoft.com/office/drawing/2014/main" id="{E27ECB6F-B5F3-3035-B462-6659B2BB6A5D}"/>
+              </a:ext>
+            </a:extLst>
+          </p:cNvPr>
+          <p:cNvGrpSpPr/>
+          <p:nvPr/>
+        </p:nvGrpSpPr>
+        <p:grpSpPr>
+          <a:xfrm>
+            <a:off x="4724623" y="206768"/>
+            <a:ext cx="2505685" cy="1490223"/>
+            <a:chOff x="6096000" y="4418672"/>
+            <a:chExt cx="2505685" cy="1490223"/>
+          </a:xfrm>
+        </p:grpSpPr>
+        <p:sp>
+          <p:nvSpPr>
+            <p:cNvPr id="159" name="Rectangle 158">
+              <a:extLst>
+                <a:ext uri="{FF2B5EF4-FFF2-40B4-BE49-F238E27FC236}">
+                  <a16:creationId xmlns:a16="http://schemas.microsoft.com/office/drawing/2014/main" id="{529B4D3D-E678-2A99-97FC-79E84EDF4B72}"/>
+                </a:ext>
+              </a:extLst>
+            </p:cNvPr>
+            <p:cNvSpPr/>
+            <p:nvPr/>
+          </p:nvSpPr>
+          <p:spPr>
+            <a:xfrm>
+              <a:off x="6096000" y="4418672"/>
+              <a:ext cx="2505685" cy="1490223"/>
+            </a:xfrm>
+            <a:prstGeom prst="rect">
+              <a:avLst/>
+            </a:prstGeom>
+            <a:noFill/>
+            <a:ln w="12700">
+              <a:solidFill>
+                <a:srgbClr val="5A6B86"/>
+              </a:solidFill>
+              <a:prstDash val="dash"/>
+            </a:ln>
+          </p:spPr>
+          <p:style>
+            <a:lnRef idx="2">
+              <a:schemeClr val="accent1">
+                <a:shade val="50000"/>
+              </a:schemeClr>
+            </a:lnRef>
+            <a:fillRef idx="1">
+              <a:schemeClr val="accent1"/>
+            </a:fillRef>
+            <a:effectRef idx="0">
+              <a:schemeClr val="accent1"/>
+            </a:effectRef>
+            <a:fontRef idx="minor">
+              <a:schemeClr val="lt1"/>
+            </a:fontRef>
+          </p:style>
+          <p:txBody>
+            <a:bodyPr tIns="36000"/>
+            <a:lstStyle/>
+            <a:p>
+              <a:endParaRPr lang="en-GB" sz="2000" dirty="0">
+                <a:solidFill>
+                  <a:schemeClr val="bg2">
+                    <a:lumMod val="40000"/>
+                    <a:lumOff val="60000"/>
+                  </a:schemeClr>
+                </a:solidFill>
+                <a:effectLst>
+                  <a:glow>
+                    <a:schemeClr val="bg1"/>
+                  </a:glow>
+                </a:effectLst>
+              </a:endParaRPr>
+            </a:p>
+          </p:txBody>
+        </p:sp>
+        <p:sp>
+          <p:nvSpPr>
+            <p:cNvPr id="114" name="Rectangle 113">
+              <a:extLst>
+                <a:ext uri="{FF2B5EF4-FFF2-40B4-BE49-F238E27FC236}">
+                  <a16:creationId xmlns:a16="http://schemas.microsoft.com/office/drawing/2014/main" id="{300B1978-7BE3-17C4-BA88-9FA4E8068B73}"/>
+                </a:ext>
+              </a:extLst>
+            </p:cNvPr>
+            <p:cNvSpPr/>
+            <p:nvPr/>
+          </p:nvSpPr>
+          <p:spPr>
+            <a:xfrm>
+              <a:off x="6214847" y="4553221"/>
+              <a:ext cx="2280796" cy="562183"/>
+            </a:xfrm>
+            <a:prstGeom prst="rect">
+              <a:avLst/>
+            </a:prstGeom>
+            <a:solidFill>
+              <a:schemeClr val="tx1">
+                <a:lumMod val="95000"/>
+              </a:schemeClr>
+            </a:solidFill>
+            <a:ln w="28575">
+              <a:solidFill>
+                <a:schemeClr val="tx1">
+                  <a:lumMod val="50000"/>
+                </a:schemeClr>
+              </a:solidFill>
+              <a:prstDash val="solid"/>
+            </a:ln>
+          </p:spPr>
+          <p:style>
+            <a:lnRef idx="2">
+              <a:schemeClr val="accent1">
+                <a:shade val="50000"/>
+              </a:schemeClr>
+            </a:lnRef>
+            <a:fillRef idx="1">
+              <a:schemeClr val="accent1"/>
+            </a:fillRef>
+            <a:effectRef idx="0">
+              <a:schemeClr val="accent1"/>
+            </a:effectRef>
+            <a:fontRef idx="minor">
+              <a:schemeClr val="lt1"/>
+            </a:fontRef>
+          </p:style>
+          <p:txBody>
+            <a:bodyPr lIns="144000" tIns="144000" rIns="144000" bIns="144000" anchor="ctr"/>
+            <a:lstStyle/>
+            <a:p>
+              <a:pPr>
+                <a:defRPr/>
+              </a:pPr>
+              <a:r>
+                <a:rPr lang="en-GB" sz="3600" baseline="-9000" dirty="0">
+                  <a:solidFill>
+                    <a:schemeClr val="bg2">
+                      <a:lumMod val="40000"/>
+                      <a:lumOff val="60000"/>
+                    </a:schemeClr>
+                  </a:solidFill>
+                  <a:effectLst>
+                    <a:glow>
+                      <a:schemeClr val="bg1"/>
+                    </a:glow>
+                  </a:effectLst>
+                </a:rPr>
+                <a:t>🧑‍🦰</a:t>
+              </a:r>
+              <a:r>
+                <a:rPr lang="en-GB" sz="2400" dirty="0">
+                  <a:solidFill>
+                    <a:sysClr val="windowText" lastClr="000000"/>
+                  </a:solidFill>
+                  <a:latin typeface="+mj-lt"/>
+                  <a:cs typeface="Arial" panose="020B0604020202020204" pitchFamily="34" charset="0"/>
+                </a:rPr>
+                <a:t> Wallet App</a:t>
+              </a:r>
+            </a:p>
+          </p:txBody>
+        </p:sp>
+        <p:sp>
+          <p:nvSpPr>
+            <p:cNvPr id="115" name="Rectangle 114">
+              <a:extLst>
+                <a:ext uri="{FF2B5EF4-FFF2-40B4-BE49-F238E27FC236}">
+                  <a16:creationId xmlns:a16="http://schemas.microsoft.com/office/drawing/2014/main" id="{32D8CC8B-BFEC-DBAB-7384-1C7B926E17ED}"/>
+                </a:ext>
+              </a:extLst>
+            </p:cNvPr>
+            <p:cNvSpPr/>
+            <p:nvPr/>
+          </p:nvSpPr>
+          <p:spPr>
+            <a:xfrm>
+              <a:off x="7930386" y="5223362"/>
+              <a:ext cx="562144" cy="562183"/>
+            </a:xfrm>
+            <a:prstGeom prst="rect">
+              <a:avLst/>
+            </a:prstGeom>
+            <a:solidFill>
+              <a:schemeClr val="tx1">
+                <a:lumMod val="95000"/>
+              </a:schemeClr>
+            </a:solidFill>
+            <a:ln w="28575">
+              <a:solidFill>
+                <a:schemeClr val="tx1">
+                  <a:lumMod val="50000"/>
+                </a:schemeClr>
+              </a:solidFill>
+              <a:prstDash val="solid"/>
+            </a:ln>
+          </p:spPr>
+          <p:style>
+            <a:lnRef idx="2">
+              <a:schemeClr val="accent1">
+                <a:shade val="50000"/>
+              </a:schemeClr>
+            </a:lnRef>
+            <a:fillRef idx="1">
+              <a:schemeClr val="accent1"/>
+            </a:fillRef>
+            <a:effectRef idx="0">
+              <a:schemeClr val="accent1"/>
+            </a:effectRef>
+            <a:fontRef idx="minor">
+              <a:schemeClr val="lt1"/>
+            </a:fontRef>
+          </p:style>
+          <p:txBody>
+            <a:bodyPr lIns="144000" tIns="144000" rIns="144000" bIns="144000" anchor="ctr"/>
+            <a:lstStyle/>
+            <a:p>
+              <a:pPr>
+                <a:defRPr/>
+              </a:pPr>
+              <a:r>
+                <a:rPr lang="en-GB" sz="3200" baseline="-9000" dirty="0">
+                  <a:solidFill>
+                    <a:schemeClr val="bg2">
+                      <a:lumMod val="40000"/>
+                      <a:lumOff val="60000"/>
+                    </a:schemeClr>
+                  </a:solidFill>
+                  <a:effectLst>
+                    <a:glow>
+                      <a:schemeClr val="bg1"/>
+                    </a:glow>
+                  </a:effectLst>
+                </a:rPr>
+                <a:t>📣</a:t>
+              </a:r>
+              <a:endParaRPr lang="en-GB" sz="2400" dirty="0">
+                <a:solidFill>
+                  <a:sysClr val="windowText" lastClr="000000"/>
+                </a:solidFill>
+                <a:latin typeface="+mj-lt"/>
+                <a:cs typeface="Arial" panose="020B0604020202020204" pitchFamily="34" charset="0"/>
+              </a:endParaRPr>
+            </a:p>
+          </p:txBody>
+        </p:sp>
+        <p:sp>
+          <p:nvSpPr>
+            <p:cNvPr id="163" name="Rectangle 162">
+              <a:extLst>
+                <a:ext uri="{FF2B5EF4-FFF2-40B4-BE49-F238E27FC236}">
+                  <a16:creationId xmlns:a16="http://schemas.microsoft.com/office/drawing/2014/main" id="{71FE8691-E874-3A79-5D5D-FE94D152A8C3}"/>
+                </a:ext>
+              </a:extLst>
+            </p:cNvPr>
+            <p:cNvSpPr/>
+            <p:nvPr/>
+          </p:nvSpPr>
+          <p:spPr>
+            <a:xfrm>
+              <a:off x="6214847" y="5223362"/>
+              <a:ext cx="1591290" cy="562183"/>
+            </a:xfrm>
+            <a:prstGeom prst="rect">
+              <a:avLst/>
+            </a:prstGeom>
+            <a:solidFill>
+              <a:schemeClr val="tx1">
+                <a:lumMod val="95000"/>
+              </a:schemeClr>
+            </a:solidFill>
+            <a:ln w="28575">
+              <a:solidFill>
+                <a:schemeClr val="tx1">
+                  <a:lumMod val="50000"/>
+                </a:schemeClr>
+              </a:solidFill>
+              <a:prstDash val="solid"/>
+            </a:ln>
+          </p:spPr>
+          <p:style>
+            <a:lnRef idx="2">
+              <a:schemeClr val="accent1">
+                <a:shade val="50000"/>
+              </a:schemeClr>
+            </a:lnRef>
+            <a:fillRef idx="1">
+              <a:schemeClr val="accent1"/>
+            </a:fillRef>
+            <a:effectRef idx="0">
+              <a:schemeClr val="accent1"/>
+            </a:effectRef>
+            <a:fontRef idx="minor">
+              <a:schemeClr val="lt1"/>
+            </a:fontRef>
+          </p:style>
+          <p:txBody>
+            <a:bodyPr lIns="144000" tIns="144000" rIns="144000" bIns="144000" anchor="ctr"/>
+            <a:lstStyle/>
+            <a:p>
+              <a:pPr>
+                <a:defRPr/>
+              </a:pPr>
+              <a:r>
+                <a:rPr lang="en-GB" sz="2400" dirty="0">
+                  <a:solidFill>
+                    <a:sysClr val="windowText" lastClr="000000"/>
+                  </a:solidFill>
+                  <a:latin typeface="+mj-lt"/>
+                  <a:cs typeface="Arial" panose="020B0604020202020204" pitchFamily="34" charset="0"/>
+                </a:rPr>
+                <a:t>    Broker</a:t>
+              </a:r>
+            </a:p>
+          </p:txBody>
+        </p:sp>
+      </p:grpSp>
+      <p:sp>
+        <p:nvSpPr>
+          <p:cNvPr id="166" name="Can 165">
+            <a:extLst>
+              <a:ext uri="{FF2B5EF4-FFF2-40B4-BE49-F238E27FC236}">
+                <a16:creationId xmlns:a16="http://schemas.microsoft.com/office/drawing/2014/main" id="{CCEA7ADF-E9F8-A9EF-7002-DD759DD3A382}"/>
+              </a:ext>
+            </a:extLst>
+          </p:cNvPr>
+          <p:cNvSpPr/>
+          <p:nvPr/>
+        </p:nvSpPr>
+        <p:spPr>
+          <a:xfrm>
+            <a:off x="1098633" y="2650974"/>
+            <a:ext cx="1119975" cy="597205"/>
+          </a:xfrm>
+          <a:prstGeom prst="can">
+            <a:avLst/>
+          </a:prstGeom>
+          <a:ln/>
+        </p:spPr>
+        <p:style>
+          <a:lnRef idx="1">
+            <a:schemeClr val="accent3"/>
+          </a:lnRef>
+          <a:fillRef idx="3">
+            <a:schemeClr val="accent3"/>
+          </a:fillRef>
+          <a:effectRef idx="2">
+            <a:schemeClr val="accent3"/>
+          </a:effectRef>
+          <a:fontRef idx="minor">
+            <a:schemeClr val="lt1"/>
+          </a:fontRef>
+        </p:style>
+        <p:txBody>
+          <a:bodyPr lIns="45720" tIns="45720" rIns="45720" rtlCol="0" anchor="ctr"/>
+          <a:lstStyle/>
+          <a:p>
+            <a:pPr algn="ctr"/>
+            <a:r>
+              <a:rPr lang="en-GB" i="1" dirty="0">
+                <a:solidFill>
+                  <a:schemeClr val="bg2"/>
+                </a:solidFill>
+              </a:rPr>
+              <a:t>chats</a:t>
+            </a:r>
+          </a:p>
+        </p:txBody>
+      </p:sp>
+      <p:sp>
+        <p:nvSpPr>
+          <p:cNvPr id="171" name="Rectangle 170">
+            <a:extLst>
+              <a:ext uri="{FF2B5EF4-FFF2-40B4-BE49-F238E27FC236}">
+                <a16:creationId xmlns:a16="http://schemas.microsoft.com/office/drawing/2014/main" id="{6733A7A6-F794-6F45-B73B-D2744DD00232}"/>
+              </a:ext>
+            </a:extLst>
+          </p:cNvPr>
+          <p:cNvSpPr/>
+          <p:nvPr/>
+        </p:nvSpPr>
+        <p:spPr>
+          <a:xfrm>
+            <a:off x="9437625" y="745603"/>
+            <a:ext cx="2505685" cy="2453035"/>
+          </a:xfrm>
+          <a:prstGeom prst="rect">
+            <a:avLst/>
+          </a:prstGeom>
+          <a:noFill/>
+          <a:ln w="28575">
+            <a:solidFill>
+              <a:schemeClr val="tx1">
+                <a:lumMod val="50000"/>
+              </a:schemeClr>
+            </a:solidFill>
+            <a:prstDash val="dash"/>
+          </a:ln>
+        </p:spPr>
+        <p:style>
+          <a:lnRef idx="2">
+            <a:schemeClr val="accent1">
+              <a:shade val="50000"/>
+            </a:schemeClr>
+          </a:lnRef>
+          <a:fillRef idx="1">
+            <a:schemeClr val="accent1"/>
+          </a:fillRef>
+          <a:effectRef idx="0">
+            <a:schemeClr val="accent1"/>
+          </a:effectRef>
+          <a:fontRef idx="minor">
+            <a:schemeClr val="lt1"/>
+          </a:fontRef>
+        </p:style>
+        <p:txBody>
+          <a:bodyPr lIns="144000" tIns="144000" rIns="144000" bIns="144000" anchor="t"/>
+          <a:lstStyle/>
+          <a:p>
+            <a:endParaRPr lang="en-GB" sz="2400" dirty="0">
+              <a:solidFill>
+                <a:sysClr val="windowText" lastClr="000000"/>
+              </a:solidFill>
+              <a:latin typeface="+mj-lt"/>
+              <a:cs typeface="Arial" panose="020B0604020202020204" pitchFamily="34" charset="0"/>
+            </a:endParaRPr>
+          </a:p>
+        </p:txBody>
+      </p:sp>
+      <p:sp>
+        <p:nvSpPr>
+          <p:cNvPr id="172" name="TextBox 171">
+            <a:extLst>
+              <a:ext uri="{FF2B5EF4-FFF2-40B4-BE49-F238E27FC236}">
+                <a16:creationId xmlns:a16="http://schemas.microsoft.com/office/drawing/2014/main" id="{EC2F56F8-31F5-1F66-0E14-F5EC5CD797BB}"/>
+              </a:ext>
+            </a:extLst>
+          </p:cNvPr>
+          <p:cNvSpPr txBox="1"/>
+          <p:nvPr/>
+        </p:nvSpPr>
+        <p:spPr>
+          <a:xfrm>
+            <a:off x="9637143" y="1151935"/>
+            <a:ext cx="2290186" cy="2246769"/>
+          </a:xfrm>
+          <a:prstGeom prst="rect">
+            <a:avLst/>
+          </a:prstGeom>
+          <a:noFill/>
+        </p:spPr>
+        <p:txBody>
+          <a:bodyPr wrap="square" anchor="t">
+            <a:spAutoFit/>
+          </a:bodyPr>
+          <a:lstStyle/>
+          <a:p>
+            <a:pPr>
+              <a:spcBef>
+                <a:spcPts val="600"/>
+              </a:spcBef>
+            </a:pPr>
+            <a:r>
+              <a:rPr lang="en-GB" sz="2800" baseline="-17000" dirty="0">
+                <a:solidFill>
+                  <a:schemeClr val="bg2">
+                    <a:lumMod val="40000"/>
+                    <a:lumOff val="60000"/>
+                  </a:schemeClr>
+                </a:solidFill>
+                <a:effectLst>
+                  <a:glow>
+                    <a:schemeClr val="bg1"/>
+                  </a:glow>
+                </a:effectLst>
+              </a:rPr>
+              <a:t>💬</a:t>
+            </a:r>
+            <a:r>
+              <a:rPr lang="en-GB" sz="2000" dirty="0"/>
+              <a:t> </a:t>
+            </a:r>
+            <a:r>
+              <a:rPr lang="en-GB" sz="2000" i="1" dirty="0">
+                <a:solidFill>
+                  <a:schemeClr val="bg2">
+                    <a:lumMod val="40000"/>
+                    <a:lumOff val="60000"/>
+                  </a:schemeClr>
+                </a:solidFill>
+                <a:effectLst>
+                  <a:glow>
+                    <a:schemeClr val="bg1"/>
+                  </a:glow>
+                </a:effectLst>
+              </a:rPr>
+              <a:t>prompts</a:t>
+            </a:r>
+            <a:br>
+              <a:rPr lang="en-GB" sz="2000" i="1" dirty="0">
+                <a:solidFill>
+                  <a:schemeClr val="bg2">
+                    <a:lumMod val="40000"/>
+                    <a:lumOff val="60000"/>
+                  </a:schemeClr>
+                </a:solidFill>
+                <a:effectLst>
+                  <a:glow>
+                    <a:schemeClr val="bg1"/>
+                  </a:glow>
+                </a:effectLst>
+              </a:rPr>
+            </a:br>
+            <a:r>
+              <a:rPr lang="en-GB" sz="2800" baseline="-17000" dirty="0">
+                <a:solidFill>
+                  <a:schemeClr val="bg2">
+                    <a:lumMod val="40000"/>
+                    <a:lumOff val="60000"/>
+                  </a:schemeClr>
+                </a:solidFill>
+                <a:effectLst>
+                  <a:glow>
+                    <a:schemeClr val="bg1"/>
+                  </a:glow>
+                </a:effectLst>
+              </a:rPr>
+              <a:t>💬</a:t>
+            </a:r>
+            <a:r>
+              <a:rPr lang="en-GB" sz="2000" dirty="0"/>
+              <a:t> </a:t>
+            </a:r>
+            <a:r>
+              <a:rPr lang="en-GB" sz="2000" i="1" dirty="0">
+                <a:solidFill>
+                  <a:schemeClr val="bg2">
+                    <a:lumMod val="40000"/>
+                    <a:lumOff val="60000"/>
+                  </a:schemeClr>
+                </a:solidFill>
+                <a:effectLst>
+                  <a:glow>
+                    <a:schemeClr val="bg1"/>
+                  </a:glow>
+                </a:effectLst>
+              </a:rPr>
+              <a:t>sharing</a:t>
+            </a:r>
+            <a:br>
+              <a:rPr lang="en-GB" sz="2000" i="1" dirty="0">
+                <a:solidFill>
+                  <a:schemeClr val="bg2">
+                    <a:lumMod val="40000"/>
+                    <a:lumOff val="60000"/>
+                  </a:schemeClr>
+                </a:solidFill>
+                <a:effectLst>
+                  <a:glow>
+                    <a:schemeClr val="bg1"/>
+                  </a:glow>
+                </a:effectLst>
+              </a:rPr>
+            </a:br>
+            <a:r>
+              <a:rPr lang="en-GB" sz="2800" baseline="-17000" dirty="0">
+                <a:solidFill>
+                  <a:schemeClr val="bg2">
+                    <a:lumMod val="40000"/>
+                    <a:lumOff val="60000"/>
+                  </a:schemeClr>
+                </a:solidFill>
+                <a:effectLst>
+                  <a:glow>
+                    <a:schemeClr val="bg1"/>
+                  </a:glow>
+                </a:effectLst>
+              </a:rPr>
+              <a:t>💬</a:t>
+            </a:r>
+            <a:r>
+              <a:rPr lang="en-GB" sz="2000" dirty="0"/>
+              <a:t> </a:t>
+            </a:r>
+            <a:r>
+              <a:rPr lang="en-GB" sz="2000" i="1" dirty="0">
+                <a:solidFill>
+                  <a:schemeClr val="bg2">
+                    <a:lumMod val="40000"/>
+                    <a:lumOff val="60000"/>
+                  </a:schemeClr>
+                </a:solidFill>
+                <a:effectLst>
+                  <a:glow>
+                    <a:schemeClr val="bg1"/>
+                  </a:glow>
+                </a:effectLst>
+              </a:rPr>
+              <a:t>bindings</a:t>
+            </a:r>
+            <a:br>
+              <a:rPr lang="en-GB" sz="2000" i="1" dirty="0">
+                <a:solidFill>
+                  <a:schemeClr val="bg2">
+                    <a:lumMod val="40000"/>
+                    <a:lumOff val="60000"/>
+                  </a:schemeClr>
+                </a:solidFill>
+                <a:effectLst>
+                  <a:glow>
+                    <a:schemeClr val="bg1"/>
+                  </a:glow>
+                </a:effectLst>
+              </a:rPr>
+            </a:br>
+            <a:r>
+              <a:rPr lang="en-GB" sz="2800" baseline="-17000" dirty="0">
+                <a:solidFill>
+                  <a:schemeClr val="bg2">
+                    <a:lumMod val="40000"/>
+                    <a:lumOff val="60000"/>
+                  </a:schemeClr>
+                </a:solidFill>
+                <a:effectLst>
+                  <a:glow>
+                    <a:schemeClr val="bg1"/>
+                  </a:glow>
+                </a:effectLst>
+              </a:rPr>
+              <a:t>💬</a:t>
+            </a:r>
+            <a:r>
+              <a:rPr lang="en-GB" sz="2000" dirty="0"/>
+              <a:t> </a:t>
+            </a:r>
+            <a:r>
+              <a:rPr lang="en-US" sz="2000" i="1" dirty="0">
+                <a:solidFill>
+                  <a:schemeClr val="bg2">
+                    <a:lumMod val="40000"/>
+                    <a:lumOff val="60000"/>
+                  </a:schemeClr>
+                </a:solidFill>
+                <a:effectLst>
+                  <a:glow>
+                    <a:schemeClr val="bg1"/>
+                  </a:glow>
+                </a:effectLst>
+              </a:rPr>
+              <a:t>tokens</a:t>
+            </a:r>
+            <a:br>
+              <a:rPr lang="en-GB" sz="2000" i="1" dirty="0">
+                <a:solidFill>
+                  <a:schemeClr val="bg2">
+                    <a:lumMod val="40000"/>
+                    <a:lumOff val="60000"/>
+                  </a:schemeClr>
+                </a:solidFill>
+                <a:effectLst>
+                  <a:glow>
+                    <a:schemeClr val="bg1"/>
+                  </a:glow>
+                </a:effectLst>
+              </a:rPr>
+            </a:br>
+            <a:r>
+              <a:rPr lang="en-GB" sz="2800" baseline="-17000" dirty="0">
+                <a:solidFill>
+                  <a:schemeClr val="bg2">
+                    <a:lumMod val="40000"/>
+                    <a:lumOff val="60000"/>
+                  </a:schemeClr>
+                </a:solidFill>
+                <a:effectLst>
+                  <a:glow>
+                    <a:schemeClr val="bg1"/>
+                  </a:glow>
+                </a:effectLst>
+              </a:rPr>
+              <a:t>💬</a:t>
+            </a:r>
+            <a:r>
+              <a:rPr lang="en-GB" sz="2000" dirty="0"/>
+              <a:t> </a:t>
+            </a:r>
+            <a:r>
+              <a:rPr lang="en-GB" sz="2000" i="1" dirty="0">
+                <a:solidFill>
+                  <a:schemeClr val="bg2">
+                    <a:lumMod val="40000"/>
+                    <a:lumOff val="60000"/>
+                  </a:schemeClr>
+                </a:solidFill>
+                <a:effectLst>
+                  <a:glow>
+                    <a:schemeClr val="bg1"/>
+                  </a:glow>
+                </a:effectLst>
+              </a:rPr>
+              <a:t>payments</a:t>
+            </a:r>
+            <a:br>
+              <a:rPr lang="en-GB" sz="2000" i="1" dirty="0">
+                <a:solidFill>
+                  <a:schemeClr val="bg2">
+                    <a:lumMod val="40000"/>
+                    <a:lumOff val="60000"/>
+                  </a:schemeClr>
+                </a:solidFill>
+                <a:effectLst>
+                  <a:glow>
+                    <a:schemeClr val="bg1"/>
+                  </a:glow>
+                </a:effectLst>
+              </a:rPr>
+            </a:br>
+            <a:r>
+              <a:rPr lang="en-GB" sz="2800" baseline="-17000" dirty="0">
+                <a:solidFill>
+                  <a:schemeClr val="bg2">
+                    <a:lumMod val="40000"/>
+                    <a:lumOff val="60000"/>
+                  </a:schemeClr>
+                </a:solidFill>
+                <a:effectLst>
+                  <a:glow>
+                    <a:schemeClr val="bg1"/>
+                  </a:glow>
+                </a:effectLst>
+              </a:rPr>
+              <a:t>💬</a:t>
+            </a:r>
+            <a:r>
+              <a:rPr lang="en-GB" sz="2000" dirty="0"/>
+              <a:t> </a:t>
+            </a:r>
+            <a:r>
+              <a:rPr lang="en-GB" sz="2000" i="1" dirty="0">
+                <a:solidFill>
+                  <a:schemeClr val="bg2">
+                    <a:lumMod val="40000"/>
+                    <a:lumOff val="60000"/>
+                  </a:schemeClr>
+                </a:solidFill>
+                <a:effectLst>
+                  <a:glow>
+                    <a:schemeClr val="bg1"/>
+                  </a:glow>
+                </a:effectLst>
+              </a:rPr>
+              <a:t>goodbye!</a:t>
+            </a:r>
+            <a:br>
+              <a:rPr lang="en-GB" sz="2000" i="1" dirty="0">
+                <a:solidFill>
+                  <a:schemeClr val="bg2">
+                    <a:lumMod val="40000"/>
+                    <a:lumOff val="60000"/>
+                  </a:schemeClr>
+                </a:solidFill>
+                <a:effectLst>
+                  <a:glow>
+                    <a:schemeClr val="bg1"/>
+                  </a:glow>
+                </a:effectLst>
+              </a:rPr>
+            </a:br>
+            <a:endParaRPr lang="en-GB" sz="2000" i="1" dirty="0">
+              <a:solidFill>
+                <a:schemeClr val="bg2">
+                  <a:lumMod val="40000"/>
+                  <a:lumOff val="60000"/>
+                </a:schemeClr>
+              </a:solidFill>
+              <a:effectLst>
+                <a:glow>
+                  <a:schemeClr val="bg1"/>
+                </a:glow>
+              </a:effectLst>
+            </a:endParaRPr>
+          </a:p>
+        </p:txBody>
+      </p:sp>
+      <p:cxnSp>
+        <p:nvCxnSpPr>
+          <p:cNvPr id="173" name="Straight Arrow Connector 12">
+            <a:extLst>
+              <a:ext uri="{FF2B5EF4-FFF2-40B4-BE49-F238E27FC236}">
+                <a16:creationId xmlns:a16="http://schemas.microsoft.com/office/drawing/2014/main" id="{7FBB9B9B-7F85-0FBF-B65C-C461C70662AF}"/>
+              </a:ext>
+            </a:extLst>
+          </p:cNvPr>
+          <p:cNvCxnSpPr>
+            <a:cxnSpLocks/>
+            <a:stCxn id="159" idx="1"/>
+            <a:endCxn id="154" idx="0"/>
+          </p:cNvCxnSpPr>
+          <p:nvPr/>
+        </p:nvCxnSpPr>
+        <p:spPr>
+          <a:xfrm rot="10800000" flipV="1">
+            <a:off x="989507" y="951880"/>
+            <a:ext cx="3735117" cy="855172"/>
+          </a:xfrm>
+          <a:prstGeom prst="bentConnector2">
+            <a:avLst/>
+          </a:prstGeom>
+          <a:ln>
+            <a:tailEnd type="triangle" w="lg" len="lg"/>
+          </a:ln>
+        </p:spPr>
+        <p:style>
+          <a:lnRef idx="3">
+            <a:schemeClr val="accent2"/>
+          </a:lnRef>
+          <a:fillRef idx="0">
+            <a:schemeClr val="accent2"/>
+          </a:fillRef>
+          <a:effectRef idx="2">
+            <a:schemeClr val="accent2"/>
+          </a:effectRef>
+          <a:fontRef idx="minor">
+            <a:schemeClr val="tx1"/>
+          </a:fontRef>
+        </p:style>
+      </p:cxnSp>
+      <p:sp>
+        <p:nvSpPr>
+          <p:cNvPr id="174" name="TextBox 173">
+            <a:extLst>
+              <a:ext uri="{FF2B5EF4-FFF2-40B4-BE49-F238E27FC236}">
+                <a16:creationId xmlns:a16="http://schemas.microsoft.com/office/drawing/2014/main" id="{46206297-B1BE-E838-9B24-5665C6432745}"/>
+              </a:ext>
+            </a:extLst>
+          </p:cNvPr>
+          <p:cNvSpPr txBox="1"/>
+          <p:nvPr/>
+        </p:nvSpPr>
+        <p:spPr>
+          <a:xfrm>
+            <a:off x="9449499" y="751825"/>
+            <a:ext cx="2505685" cy="400110"/>
+          </a:xfrm>
+          <a:prstGeom prst="rect">
+            <a:avLst/>
+          </a:prstGeom>
+          <a:noFill/>
+        </p:spPr>
+        <p:txBody>
+          <a:bodyPr wrap="square" anchor="b">
+            <a:spAutoFit/>
+          </a:bodyPr>
+          <a:lstStyle/>
+          <a:p>
+            <a:pPr>
+              <a:spcBef>
+                <a:spcPts val="600"/>
+              </a:spcBef>
+            </a:pPr>
+            <a:r>
+              <a:rPr lang="en-GB" sz="2800" baseline="-17000" dirty="0">
+                <a:solidFill>
+                  <a:schemeClr val="bg2">
+                    <a:lumMod val="40000"/>
+                    <a:lumOff val="60000"/>
+                  </a:schemeClr>
+                </a:solidFill>
+                <a:effectLst>
+                  <a:glow>
+                    <a:schemeClr val="bg1"/>
+                  </a:glow>
+                </a:effectLst>
+              </a:rPr>
+              <a:t>😃 </a:t>
+            </a:r>
+            <a:r>
+              <a:rPr lang="en-US" sz="2000" i="1" dirty="0">
+                <a:solidFill>
+                  <a:schemeClr val="bg2">
+                    <a:lumMod val="40000"/>
+                    <a:lumOff val="60000"/>
+                  </a:schemeClr>
+                </a:solidFill>
+                <a:effectLst>
+                  <a:glow>
+                    <a:schemeClr val="bg1"/>
+                  </a:glow>
+                </a:effectLst>
+              </a:rPr>
+              <a:t>interactions</a:t>
+            </a:r>
+            <a:endParaRPr lang="en-GB" sz="2000" i="1" dirty="0">
+              <a:solidFill>
+                <a:schemeClr val="bg2">
+                  <a:lumMod val="40000"/>
+                  <a:lumOff val="60000"/>
+                </a:schemeClr>
+              </a:solidFill>
+              <a:effectLst>
+                <a:glow>
+                  <a:schemeClr val="bg1"/>
+                </a:glow>
+              </a:effectLst>
+            </a:endParaRPr>
+          </a:p>
+        </p:txBody>
+      </p:sp>
+      <p:cxnSp>
+        <p:nvCxnSpPr>
+          <p:cNvPr id="196" name="Straight Arrow Connector 12">
+            <a:extLst>
+              <a:ext uri="{FF2B5EF4-FFF2-40B4-BE49-F238E27FC236}">
+                <a16:creationId xmlns:a16="http://schemas.microsoft.com/office/drawing/2014/main" id="{DE240BC8-5326-4658-0431-10BFBAE50887}"/>
+              </a:ext>
+            </a:extLst>
+          </p:cNvPr>
+          <p:cNvCxnSpPr>
+            <a:cxnSpLocks/>
+            <a:endCxn id="153" idx="3"/>
+          </p:cNvCxnSpPr>
+          <p:nvPr/>
+        </p:nvCxnSpPr>
+        <p:spPr>
+          <a:xfrm flipH="1">
+            <a:off x="1658621" y="2459478"/>
+            <a:ext cx="7695876" cy="1"/>
+          </a:xfrm>
+          <a:prstGeom prst="straightConnector1">
+            <a:avLst/>
+          </a:prstGeom>
+          <a:ln>
+            <a:headEnd type="triangle" w="lg" len="lg"/>
+            <a:tailEnd type="triangle" w="lg" len="lg"/>
+          </a:ln>
+        </p:spPr>
+        <p:style>
+          <a:lnRef idx="3">
+            <a:schemeClr val="accent2"/>
+          </a:lnRef>
+          <a:fillRef idx="0">
+            <a:schemeClr val="accent2"/>
+          </a:fillRef>
+          <a:effectRef idx="2">
+            <a:schemeClr val="accent2"/>
+          </a:effectRef>
+          <a:fontRef idx="minor">
+            <a:schemeClr val="tx1"/>
+          </a:fontRef>
+        </p:style>
+      </p:cxnSp>
+      <p:sp>
+        <p:nvSpPr>
+          <p:cNvPr id="205" name="Content Placeholder 2">
+            <a:extLst>
+              <a:ext uri="{FF2B5EF4-FFF2-40B4-BE49-F238E27FC236}">
+                <a16:creationId xmlns:a16="http://schemas.microsoft.com/office/drawing/2014/main" id="{08167690-A742-D665-9888-45C6AC6EC249}"/>
+              </a:ext>
+            </a:extLst>
+          </p:cNvPr>
+          <p:cNvSpPr txBox="1">
+            <a:spLocks/>
+          </p:cNvSpPr>
+          <p:nvPr/>
+        </p:nvSpPr>
+        <p:spPr>
+          <a:xfrm>
+            <a:off x="3116330" y="431063"/>
+            <a:ext cx="1358068" cy="400110"/>
+          </a:xfrm>
+          <a:prstGeom prst="rect">
+            <a:avLst/>
+          </a:prstGeom>
+        </p:spPr>
+        <p:txBody>
+          <a:bodyPr wrap="square">
+            <a:spAutoFit/>
+          </a:bodyPr>
+          <a:lstStyle>
+            <a:lvl1pPr marL="228600" indent="-228600" algn="l" defTabSz="914400" rtl="0" eaLnBrk="1" latinLnBrk="0" hangingPunct="1">
+              <a:lnSpc>
+                <a:spcPct val="90000"/>
+              </a:lnSpc>
+              <a:spcBef>
+                <a:spcPts val="0"/>
+              </a:spcBef>
+              <a:spcAft>
+                <a:spcPts val="1200"/>
+              </a:spcAft>
+              <a:buSzPct val="90000"/>
+              <a:buFont typeface="Amazon Ember" panose="020B0603020204020204" pitchFamily="34" charset="0"/>
+              <a:buChar char="•"/>
+              <a:defRPr sz="2800" kern="1200">
+                <a:solidFill>
+                  <a:schemeClr val="tx1"/>
+                </a:solidFill>
+                <a:latin typeface="+mn-lt"/>
+                <a:ea typeface="+mn-ea"/>
+                <a:cs typeface="+mn-cs"/>
+              </a:defRPr>
+            </a:lvl1pPr>
+            <a:lvl2pPr marL="457200" indent="-228600" algn="l" defTabSz="914400" rtl="0" eaLnBrk="1" latinLnBrk="0" hangingPunct="1">
+              <a:lnSpc>
+                <a:spcPct val="90000"/>
+              </a:lnSpc>
+              <a:spcBef>
+                <a:spcPts val="0"/>
+              </a:spcBef>
+              <a:spcAft>
+                <a:spcPts val="1200"/>
+              </a:spcAft>
+              <a:buSzPct val="90000"/>
+              <a:buFont typeface="Wingdings" panose="05000000000000000000" pitchFamily="2" charset="2"/>
+              <a:buChar char="§"/>
+              <a:defRPr sz="2400" kern="1200">
+                <a:solidFill>
+                  <a:schemeClr val="tx1"/>
+                </a:solidFill>
+                <a:latin typeface="+mn-lt"/>
+                <a:ea typeface="+mn-ea"/>
+                <a:cs typeface="+mn-cs"/>
+              </a:defRPr>
+            </a:lvl2pPr>
+            <a:lvl3pPr marL="685800" indent="-228600" algn="l" defTabSz="914400" rtl="0" eaLnBrk="1" latinLnBrk="0" hangingPunct="1">
+              <a:lnSpc>
+                <a:spcPct val="90000"/>
+              </a:lnSpc>
+              <a:spcBef>
+                <a:spcPts val="0"/>
+              </a:spcBef>
+              <a:spcAft>
+                <a:spcPts val="1200"/>
+              </a:spcAft>
+              <a:buSzPct val="90000"/>
+              <a:buFont typeface="Amazon Ember" panose="020B0603020204020204" pitchFamily="34" charset="0"/>
+              <a:buChar char="–"/>
+              <a:defRPr sz="2000" kern="1200">
+                <a:solidFill>
+                  <a:schemeClr val="tx1"/>
+                </a:solidFill>
+                <a:latin typeface="+mn-lt"/>
+                <a:ea typeface="+mn-ea"/>
+                <a:cs typeface="+mn-cs"/>
+              </a:defRPr>
+            </a:lvl3pPr>
+            <a:lvl4pPr marL="914400" indent="-228600" algn="l" defTabSz="914400" rtl="0" eaLnBrk="1" latinLnBrk="0" hangingPunct="1">
+              <a:lnSpc>
+                <a:spcPct val="90000"/>
+              </a:lnSpc>
+              <a:spcBef>
+                <a:spcPts val="0"/>
+              </a:spcBef>
+              <a:spcAft>
+                <a:spcPts val="1200"/>
+              </a:spcAft>
+              <a:buFont typeface="Amazon Ember" panose="020B0603020204020204" pitchFamily="34" charset="0"/>
+              <a:buChar char="•"/>
+              <a:defRPr sz="1800" kern="1200">
+                <a:solidFill>
+                  <a:schemeClr val="tx1"/>
+                </a:solidFill>
+                <a:latin typeface="+mn-lt"/>
+                <a:ea typeface="+mn-ea"/>
+                <a:cs typeface="+mn-cs"/>
+              </a:defRPr>
+            </a:lvl4pPr>
+            <a:lvl5pPr marL="1143000" indent="-228600" algn="l" defTabSz="914400" rtl="0" eaLnBrk="1" latinLnBrk="0" hangingPunct="1">
+              <a:lnSpc>
+                <a:spcPct val="90000"/>
+              </a:lnSpc>
+              <a:spcBef>
+                <a:spcPts val="0"/>
+              </a:spcBef>
+              <a:spcAft>
+                <a:spcPts val="1200"/>
+              </a:spcAft>
+              <a:buFont typeface="Amazon Ember" panose="020B0603020204020204" pitchFamily="34" charset="0"/>
+              <a:buChar char="•"/>
+              <a:defRPr sz="1800" kern="1200">
+                <a:solidFill>
+                  <a:schemeClr val="tx1"/>
+                </a:solidFill>
+                <a:latin typeface="+mn-lt"/>
+                <a:ea typeface="+mn-ea"/>
+                <a:cs typeface="+mn-cs"/>
+              </a:defRPr>
+            </a:lvl5pPr>
+            <a:lvl6pPr marL="2514600" indent="-228600" algn="l" defTabSz="914400" rtl="0" eaLnBrk="1" latinLnBrk="0" hangingPunct="1">
+              <a:lnSpc>
+                <a:spcPct val="90000"/>
+              </a:lnSpc>
+              <a:spcBef>
+                <a:spcPts val="500"/>
+              </a:spcBef>
+              <a:buFont typeface="Amazon Ember" panose="020B0603020204020204" pitchFamily="34" charset="0"/>
+              <a:buChar char="•"/>
+              <a:defRPr sz="1800" kern="1200">
+                <a:solidFill>
+                  <a:schemeClr val="tx1"/>
+                </a:solidFill>
+                <a:latin typeface="+mn-lt"/>
+                <a:ea typeface="+mn-ea"/>
+                <a:cs typeface="+mn-cs"/>
+              </a:defRPr>
+            </a:lvl6pPr>
+            <a:lvl7pPr marL="2971800" indent="-228600" algn="l" defTabSz="914400" rtl="0" eaLnBrk="1" latinLnBrk="0" hangingPunct="1">
+              <a:lnSpc>
+                <a:spcPct val="90000"/>
+              </a:lnSpc>
+              <a:spcBef>
+                <a:spcPts val="500"/>
+              </a:spcBef>
+              <a:buFont typeface="Amazon Ember" panose="020B0603020204020204" pitchFamily="34" charset="0"/>
+              <a:buChar char="•"/>
+              <a:defRPr sz="1800" kern="1200">
+                <a:solidFill>
+                  <a:schemeClr val="tx1"/>
+                </a:solidFill>
+                <a:latin typeface="+mn-lt"/>
+                <a:ea typeface="+mn-ea"/>
+                <a:cs typeface="+mn-cs"/>
+              </a:defRPr>
+            </a:lvl7pPr>
+            <a:lvl8pPr marL="3429000" indent="-228600" algn="l" defTabSz="914400" rtl="0" eaLnBrk="1" latinLnBrk="0" hangingPunct="1">
+              <a:lnSpc>
+                <a:spcPct val="90000"/>
+              </a:lnSpc>
+              <a:spcBef>
+                <a:spcPts val="500"/>
+              </a:spcBef>
+              <a:buFont typeface="Amazon Ember" panose="020B0603020204020204" pitchFamily="34" charset="0"/>
+              <a:buChar char="•"/>
+              <a:defRPr sz="1800" kern="1200">
+                <a:solidFill>
+                  <a:schemeClr val="tx1"/>
+                </a:solidFill>
+                <a:latin typeface="+mn-lt"/>
+                <a:ea typeface="+mn-ea"/>
+                <a:cs typeface="+mn-cs"/>
+              </a:defRPr>
+            </a:lvl8pPr>
+            <a:lvl9pPr marL="3886200" indent="-228600" algn="l" defTabSz="914400" rtl="0" eaLnBrk="1" latinLnBrk="0" hangingPunct="1">
+              <a:lnSpc>
+                <a:spcPct val="90000"/>
+              </a:lnSpc>
+              <a:spcBef>
+                <a:spcPts val="500"/>
+              </a:spcBef>
+              <a:buFont typeface="Amazon Ember" panose="020B0603020204020204" pitchFamily="34" charset="0"/>
+              <a:buChar char="•"/>
+              <a:defRPr sz="1800" kern="1200">
+                <a:solidFill>
+                  <a:schemeClr val="tx1"/>
+                </a:solidFill>
+                <a:latin typeface="+mn-lt"/>
+                <a:ea typeface="+mn-ea"/>
+                <a:cs typeface="+mn-cs"/>
+              </a:defRPr>
+            </a:lvl9pPr>
+          </a:lstStyle>
+          <a:p>
+            <a:pPr marL="0" indent="0" algn="ctr">
+              <a:lnSpc>
+                <a:spcPct val="100000"/>
+              </a:lnSpc>
+              <a:spcAft>
+                <a:spcPts val="600"/>
+              </a:spcAft>
+              <a:buNone/>
+            </a:pPr>
+            <a:r>
+              <a:rPr lang="en-US" sz="2000" i="1" dirty="0">
+                <a:solidFill>
+                  <a:schemeClr val="bg2">
+                    <a:lumMod val="40000"/>
+                    <a:lumOff val="60000"/>
+                  </a:schemeClr>
+                </a:solidFill>
+                <a:effectLst>
+                  <a:glow>
+                    <a:schemeClr val="bg1"/>
+                  </a:glow>
+                </a:effectLst>
+              </a:rPr>
+              <a:t>hello</a:t>
+            </a:r>
+          </a:p>
+        </p:txBody>
+      </p:sp>
+      <p:sp>
+        <p:nvSpPr>
+          <p:cNvPr id="206" name="Rounded Rectangle 205">
+            <a:extLst>
+              <a:ext uri="{FF2B5EF4-FFF2-40B4-BE49-F238E27FC236}">
+                <a16:creationId xmlns:a16="http://schemas.microsoft.com/office/drawing/2014/main" id="{59B74ED3-523B-E1B5-28CF-1ABDC5F30CDE}"/>
+              </a:ext>
+            </a:extLst>
+          </p:cNvPr>
+          <p:cNvSpPr/>
+          <p:nvPr/>
+        </p:nvSpPr>
+        <p:spPr>
+          <a:xfrm>
+            <a:off x="4225192" y="451118"/>
+            <a:ext cx="360000" cy="360000"/>
+          </a:xfrm>
+          <a:prstGeom prst="roundRect">
+            <a:avLst/>
+          </a:prstGeom>
+          <a:solidFill>
+            <a:schemeClr val="accent2"/>
+          </a:solidFill>
+          <a:ln>
+            <a:noFill/>
+          </a:ln>
+        </p:spPr>
+        <p:style>
+          <a:lnRef idx="0">
+            <a:scrgbClr r="0" g="0" b="0"/>
+          </a:lnRef>
+          <a:fillRef idx="0">
+            <a:scrgbClr r="0" g="0" b="0"/>
+          </a:fillRef>
+          <a:effectRef idx="0">
+            <a:scrgbClr r="0" g="0" b="0"/>
+          </a:effectRef>
+          <a:fontRef idx="minor">
+            <a:schemeClr val="lt1"/>
+          </a:fontRef>
+        </p:style>
+        <p:txBody>
+          <a:bodyPr lIns="45720" tIns="45720" rIns="45720" rtlCol="0" anchor="ctr"/>
+          <a:lstStyle/>
+          <a:p>
+            <a:pPr algn="ctr"/>
+            <a:r>
+              <a:rPr lang="en-GB" b="1" dirty="0">
+                <a:solidFill>
+                  <a:schemeClr val="tx1"/>
+                </a:solidFill>
+              </a:rPr>
+              <a:t>1</a:t>
+            </a:r>
+          </a:p>
+        </p:txBody>
+      </p:sp>
+      <p:cxnSp>
+        <p:nvCxnSpPr>
+          <p:cNvPr id="209" name="Straight Arrow Connector 12">
+            <a:extLst>
+              <a:ext uri="{FF2B5EF4-FFF2-40B4-BE49-F238E27FC236}">
+                <a16:creationId xmlns:a16="http://schemas.microsoft.com/office/drawing/2014/main" id="{F4284FC2-6D2B-E789-A075-B677CD41A253}"/>
+              </a:ext>
+            </a:extLst>
+          </p:cNvPr>
+          <p:cNvCxnSpPr>
+            <a:cxnSpLocks/>
+            <a:stCxn id="159" idx="3"/>
+            <a:endCxn id="174" idx="1"/>
+          </p:cNvCxnSpPr>
+          <p:nvPr/>
+        </p:nvCxnSpPr>
+        <p:spPr>
+          <a:xfrm>
+            <a:off x="7230308" y="951880"/>
+            <a:ext cx="2219191" cy="0"/>
+          </a:xfrm>
+          <a:prstGeom prst="straightConnector1">
+            <a:avLst/>
+          </a:prstGeom>
+          <a:ln>
+            <a:headEnd type="triangle" w="lg" len="lg"/>
+            <a:tailEnd type="triangle" w="lg" len="lg"/>
+          </a:ln>
+        </p:spPr>
+        <p:style>
+          <a:lnRef idx="3">
+            <a:schemeClr val="accent2"/>
+          </a:lnRef>
+          <a:fillRef idx="0">
+            <a:schemeClr val="accent2"/>
+          </a:fillRef>
+          <a:effectRef idx="2">
+            <a:schemeClr val="accent2"/>
+          </a:effectRef>
+          <a:fontRef idx="minor">
+            <a:schemeClr val="tx1"/>
+          </a:fontRef>
+        </p:style>
+      </p:cxnSp>
+      <p:sp>
+        <p:nvSpPr>
+          <p:cNvPr id="218" name="Rounded Rectangle 217">
+            <a:extLst>
+              <a:ext uri="{FF2B5EF4-FFF2-40B4-BE49-F238E27FC236}">
+                <a16:creationId xmlns:a16="http://schemas.microsoft.com/office/drawing/2014/main" id="{8A676340-E1A4-1330-3A63-11196F6AB7BA}"/>
+              </a:ext>
+            </a:extLst>
+          </p:cNvPr>
+          <p:cNvSpPr/>
+          <p:nvPr/>
+        </p:nvSpPr>
+        <p:spPr>
+          <a:xfrm>
+            <a:off x="1887580" y="1960640"/>
+            <a:ext cx="360000" cy="360000"/>
+          </a:xfrm>
+          <a:prstGeom prst="roundRect">
+            <a:avLst/>
+          </a:prstGeom>
+          <a:solidFill>
+            <a:schemeClr val="accent2"/>
+          </a:solidFill>
+          <a:ln>
+            <a:noFill/>
+          </a:ln>
+        </p:spPr>
+        <p:style>
+          <a:lnRef idx="0">
+            <a:scrgbClr r="0" g="0" b="0"/>
+          </a:lnRef>
+          <a:fillRef idx="0">
+            <a:scrgbClr r="0" g="0" b="0"/>
+          </a:fillRef>
+          <a:effectRef idx="0">
+            <a:scrgbClr r="0" g="0" b="0"/>
+          </a:effectRef>
+          <a:fontRef idx="minor">
+            <a:schemeClr val="lt1"/>
+          </a:fontRef>
+        </p:style>
+        <p:txBody>
+          <a:bodyPr lIns="45720" tIns="45720" rIns="45720" rtlCol="0" anchor="ctr"/>
+          <a:lstStyle/>
+          <a:p>
+            <a:pPr algn="ctr"/>
+            <a:r>
+              <a:rPr lang="en-GB" b="1" dirty="0">
+                <a:solidFill>
+                  <a:schemeClr val="tx1"/>
+                </a:solidFill>
+              </a:rPr>
+              <a:t>2</a:t>
+            </a:r>
+          </a:p>
+        </p:txBody>
+      </p:sp>
+      <p:sp>
+        <p:nvSpPr>
+          <p:cNvPr id="223" name="Rounded Rectangle 222">
+            <a:extLst>
+              <a:ext uri="{FF2B5EF4-FFF2-40B4-BE49-F238E27FC236}">
+                <a16:creationId xmlns:a16="http://schemas.microsoft.com/office/drawing/2014/main" id="{F0623986-B1BC-FFC6-365D-0F6F4AC62399}"/>
+              </a:ext>
+            </a:extLst>
+          </p:cNvPr>
+          <p:cNvSpPr/>
+          <p:nvPr/>
+        </p:nvSpPr>
+        <p:spPr>
+          <a:xfrm>
+            <a:off x="8928714" y="1112549"/>
+            <a:ext cx="360000" cy="360000"/>
+          </a:xfrm>
+          <a:prstGeom prst="roundRect">
+            <a:avLst/>
+          </a:prstGeom>
+          <a:solidFill>
+            <a:schemeClr val="accent2"/>
+          </a:solidFill>
+          <a:ln>
+            <a:noFill/>
+          </a:ln>
+        </p:spPr>
+        <p:style>
+          <a:lnRef idx="0">
+            <a:scrgbClr r="0" g="0" b="0"/>
+          </a:lnRef>
+          <a:fillRef idx="0">
+            <a:scrgbClr r="0" g="0" b="0"/>
+          </a:fillRef>
+          <a:effectRef idx="0">
+            <a:scrgbClr r="0" g="0" b="0"/>
+          </a:effectRef>
+          <a:fontRef idx="minor">
+            <a:schemeClr val="lt1"/>
+          </a:fontRef>
+        </p:style>
+        <p:txBody>
+          <a:bodyPr lIns="45720" tIns="45720" rIns="45720" rtlCol="0" anchor="ctr"/>
+          <a:lstStyle/>
+          <a:p>
+            <a:pPr algn="ctr"/>
+            <a:r>
+              <a:rPr lang="en-GB" b="1" dirty="0">
+                <a:solidFill>
+                  <a:schemeClr val="tx1"/>
+                </a:solidFill>
+              </a:rPr>
+              <a:t>3</a:t>
+            </a:r>
+          </a:p>
+        </p:txBody>
+      </p:sp>
+      <p:sp>
+        <p:nvSpPr>
+          <p:cNvPr id="2" name="TextBox 1">
+            <a:extLst>
+              <a:ext uri="{FF2B5EF4-FFF2-40B4-BE49-F238E27FC236}">
+                <a16:creationId xmlns:a16="http://schemas.microsoft.com/office/drawing/2014/main" id="{0C69EC6D-488A-1A97-31B7-2E01EF2D27D6}"/>
+              </a:ext>
+            </a:extLst>
+          </p:cNvPr>
+          <p:cNvSpPr txBox="1"/>
+          <p:nvPr/>
+        </p:nvSpPr>
+        <p:spPr>
+          <a:xfrm>
+            <a:off x="4795798" y="907559"/>
+            <a:ext cx="502683" cy="861774"/>
+          </a:xfrm>
+          <a:prstGeom prst="rect">
+            <a:avLst/>
+          </a:prstGeom>
+          <a:noFill/>
+        </p:spPr>
+        <p:txBody>
+          <a:bodyPr wrap="square">
+            <a:spAutoFit/>
+          </a:bodyPr>
+          <a:lstStyle/>
+          <a:p>
+            <a:r>
+              <a:rPr lang="en-GB" sz="4800" baseline="-9000" dirty="0">
+                <a:solidFill>
+                  <a:schemeClr val="bg2">
+                    <a:lumMod val="40000"/>
+                    <a:lumOff val="60000"/>
+                  </a:schemeClr>
+                </a:solidFill>
+                <a:effectLst>
+                  <a:glow>
+                    <a:schemeClr val="bg1"/>
+                  </a:glow>
+                </a:effectLst>
+              </a:rPr>
+              <a:t>🤵</a:t>
+            </a:r>
+            <a:endParaRPr lang="en-US" sz="4800" dirty="0"/>
+          </a:p>
+        </p:txBody>
+      </p:sp>
+      <p:sp>
+        <p:nvSpPr>
+          <p:cNvPr id="3" name="TextBox 2">
+            <a:extLst>
+              <a:ext uri="{FF2B5EF4-FFF2-40B4-BE49-F238E27FC236}">
+                <a16:creationId xmlns:a16="http://schemas.microsoft.com/office/drawing/2014/main" id="{0561A082-C7B7-32ED-6309-7BFE396136AF}"/>
+              </a:ext>
+            </a:extLst>
+          </p:cNvPr>
+          <p:cNvSpPr txBox="1"/>
+          <p:nvPr/>
+        </p:nvSpPr>
+        <p:spPr>
+          <a:xfrm>
+            <a:off x="147264" y="6233934"/>
+            <a:ext cx="1933222" cy="523220"/>
+          </a:xfrm>
+          <a:prstGeom prst="rect">
+            <a:avLst/>
+          </a:prstGeom>
+          <a:noFill/>
+        </p:spPr>
+        <p:txBody>
+          <a:bodyPr wrap="none" lIns="0" rIns="0" rtlCol="0">
+            <a:spAutoFit/>
+          </a:bodyPr>
+          <a:lstStyle/>
+          <a:p>
+            <a:r>
+              <a:rPr lang="en-GB" sz="2800" dirty="0">
+                <a:solidFill>
+                  <a:srgbClr val="FFFF00"/>
+                </a:solidFill>
+              </a:rPr>
+              <a:t>HOST  #2/2</a:t>
+            </a:r>
+          </a:p>
+        </p:txBody>
+      </p:sp>
+      <p:sp>
+        <p:nvSpPr>
+          <p:cNvPr id="10" name="Content Placeholder 2">
+            <a:extLst>
+              <a:ext uri="{FF2B5EF4-FFF2-40B4-BE49-F238E27FC236}">
+                <a16:creationId xmlns:a16="http://schemas.microsoft.com/office/drawing/2014/main" id="{41F0E81D-820E-F1EB-2A2D-29BF00A46748}"/>
+              </a:ext>
+            </a:extLst>
+          </p:cNvPr>
+          <p:cNvSpPr txBox="1">
+            <a:spLocks/>
+          </p:cNvSpPr>
+          <p:nvPr/>
+        </p:nvSpPr>
+        <p:spPr>
+          <a:xfrm>
+            <a:off x="2257519" y="1934507"/>
+            <a:ext cx="2346951" cy="400110"/>
+          </a:xfrm>
+          <a:prstGeom prst="rect">
+            <a:avLst/>
+          </a:prstGeom>
+        </p:spPr>
+        <p:txBody>
+          <a:bodyPr wrap="square">
+            <a:spAutoFit/>
+          </a:bodyPr>
+          <a:lstStyle>
+            <a:lvl1pPr marL="228600" indent="-228600" algn="l" defTabSz="914400" rtl="0" eaLnBrk="1" latinLnBrk="0" hangingPunct="1">
+              <a:lnSpc>
+                <a:spcPct val="90000"/>
+              </a:lnSpc>
+              <a:spcBef>
+                <a:spcPts val="0"/>
+              </a:spcBef>
+              <a:spcAft>
+                <a:spcPts val="1200"/>
+              </a:spcAft>
+              <a:buSzPct val="90000"/>
+              <a:buFont typeface="Amazon Ember" panose="020B0603020204020204" pitchFamily="34" charset="0"/>
+              <a:buChar char="•"/>
+              <a:defRPr sz="2800" kern="1200">
+                <a:solidFill>
+                  <a:schemeClr val="tx1"/>
+                </a:solidFill>
+                <a:latin typeface="+mn-lt"/>
+                <a:ea typeface="+mn-ea"/>
+                <a:cs typeface="+mn-cs"/>
+              </a:defRPr>
+            </a:lvl1pPr>
+            <a:lvl2pPr marL="457200" indent="-228600" algn="l" defTabSz="914400" rtl="0" eaLnBrk="1" latinLnBrk="0" hangingPunct="1">
+              <a:lnSpc>
+                <a:spcPct val="90000"/>
+              </a:lnSpc>
+              <a:spcBef>
+                <a:spcPts val="0"/>
+              </a:spcBef>
+              <a:spcAft>
+                <a:spcPts val="1200"/>
+              </a:spcAft>
+              <a:buSzPct val="90000"/>
+              <a:buFont typeface="Wingdings" panose="05000000000000000000" pitchFamily="2" charset="2"/>
+              <a:buChar char="§"/>
+              <a:defRPr sz="2400" kern="1200">
+                <a:solidFill>
+                  <a:schemeClr val="tx1"/>
+                </a:solidFill>
+                <a:latin typeface="+mn-lt"/>
+                <a:ea typeface="+mn-ea"/>
+                <a:cs typeface="+mn-cs"/>
+              </a:defRPr>
+            </a:lvl2pPr>
+            <a:lvl3pPr marL="685800" indent="-228600" algn="l" defTabSz="914400" rtl="0" eaLnBrk="1" latinLnBrk="0" hangingPunct="1">
+              <a:lnSpc>
+                <a:spcPct val="90000"/>
+              </a:lnSpc>
+              <a:spcBef>
+                <a:spcPts val="0"/>
+              </a:spcBef>
+              <a:spcAft>
+                <a:spcPts val="1200"/>
+              </a:spcAft>
+              <a:buSzPct val="90000"/>
+              <a:buFont typeface="Amazon Ember" panose="020B0603020204020204" pitchFamily="34" charset="0"/>
+              <a:buChar char="–"/>
+              <a:defRPr sz="2000" kern="1200">
+                <a:solidFill>
+                  <a:schemeClr val="tx1"/>
+                </a:solidFill>
+                <a:latin typeface="+mn-lt"/>
+                <a:ea typeface="+mn-ea"/>
+                <a:cs typeface="+mn-cs"/>
+              </a:defRPr>
+            </a:lvl3pPr>
+            <a:lvl4pPr marL="914400" indent="-228600" algn="l" defTabSz="914400" rtl="0" eaLnBrk="1" latinLnBrk="0" hangingPunct="1">
+              <a:lnSpc>
+                <a:spcPct val="90000"/>
+              </a:lnSpc>
+              <a:spcBef>
+                <a:spcPts val="0"/>
+              </a:spcBef>
+              <a:spcAft>
+                <a:spcPts val="1200"/>
+              </a:spcAft>
+              <a:buFont typeface="Amazon Ember" panose="020B0603020204020204" pitchFamily="34" charset="0"/>
+              <a:buChar char="•"/>
+              <a:defRPr sz="1800" kern="1200">
+                <a:solidFill>
+                  <a:schemeClr val="tx1"/>
+                </a:solidFill>
+                <a:latin typeface="+mn-lt"/>
+                <a:ea typeface="+mn-ea"/>
+                <a:cs typeface="+mn-cs"/>
+              </a:defRPr>
+            </a:lvl4pPr>
+            <a:lvl5pPr marL="1143000" indent="-228600" algn="l" defTabSz="914400" rtl="0" eaLnBrk="1" latinLnBrk="0" hangingPunct="1">
+              <a:lnSpc>
+                <a:spcPct val="90000"/>
+              </a:lnSpc>
+              <a:spcBef>
+                <a:spcPts val="0"/>
+              </a:spcBef>
+              <a:spcAft>
+                <a:spcPts val="1200"/>
+              </a:spcAft>
+              <a:buFont typeface="Amazon Ember" panose="020B0603020204020204" pitchFamily="34" charset="0"/>
+              <a:buChar char="•"/>
+              <a:defRPr sz="1800" kern="1200">
+                <a:solidFill>
+                  <a:schemeClr val="tx1"/>
+                </a:solidFill>
+                <a:latin typeface="+mn-lt"/>
+                <a:ea typeface="+mn-ea"/>
+                <a:cs typeface="+mn-cs"/>
+              </a:defRPr>
+            </a:lvl5pPr>
+            <a:lvl6pPr marL="2514600" indent="-228600" algn="l" defTabSz="914400" rtl="0" eaLnBrk="1" latinLnBrk="0" hangingPunct="1">
+              <a:lnSpc>
+                <a:spcPct val="90000"/>
+              </a:lnSpc>
+              <a:spcBef>
+                <a:spcPts val="500"/>
+              </a:spcBef>
+              <a:buFont typeface="Amazon Ember" panose="020B0603020204020204" pitchFamily="34" charset="0"/>
+              <a:buChar char="•"/>
+              <a:defRPr sz="1800" kern="1200">
+                <a:solidFill>
+                  <a:schemeClr val="tx1"/>
+                </a:solidFill>
+                <a:latin typeface="+mn-lt"/>
+                <a:ea typeface="+mn-ea"/>
+                <a:cs typeface="+mn-cs"/>
+              </a:defRPr>
+            </a:lvl6pPr>
+            <a:lvl7pPr marL="2971800" indent="-228600" algn="l" defTabSz="914400" rtl="0" eaLnBrk="1" latinLnBrk="0" hangingPunct="1">
+              <a:lnSpc>
+                <a:spcPct val="90000"/>
+              </a:lnSpc>
+              <a:spcBef>
+                <a:spcPts val="500"/>
+              </a:spcBef>
+              <a:buFont typeface="Amazon Ember" panose="020B0603020204020204" pitchFamily="34" charset="0"/>
+              <a:buChar char="•"/>
+              <a:defRPr sz="1800" kern="1200">
+                <a:solidFill>
+                  <a:schemeClr val="tx1"/>
+                </a:solidFill>
+                <a:latin typeface="+mn-lt"/>
+                <a:ea typeface="+mn-ea"/>
+                <a:cs typeface="+mn-cs"/>
+              </a:defRPr>
+            </a:lvl7pPr>
+            <a:lvl8pPr marL="3429000" indent="-228600" algn="l" defTabSz="914400" rtl="0" eaLnBrk="1" latinLnBrk="0" hangingPunct="1">
+              <a:lnSpc>
+                <a:spcPct val="90000"/>
+              </a:lnSpc>
+              <a:spcBef>
+                <a:spcPts val="500"/>
+              </a:spcBef>
+              <a:buFont typeface="Amazon Ember" panose="020B0603020204020204" pitchFamily="34" charset="0"/>
+              <a:buChar char="•"/>
+              <a:defRPr sz="1800" kern="1200">
+                <a:solidFill>
+                  <a:schemeClr val="tx1"/>
+                </a:solidFill>
+                <a:latin typeface="+mn-lt"/>
+                <a:ea typeface="+mn-ea"/>
+                <a:cs typeface="+mn-cs"/>
+              </a:defRPr>
+            </a:lvl8pPr>
+            <a:lvl9pPr marL="3886200" indent="-228600" algn="l" defTabSz="914400" rtl="0" eaLnBrk="1" latinLnBrk="0" hangingPunct="1">
+              <a:lnSpc>
+                <a:spcPct val="90000"/>
+              </a:lnSpc>
+              <a:spcBef>
+                <a:spcPts val="500"/>
+              </a:spcBef>
+              <a:buFont typeface="Amazon Ember" panose="020B0603020204020204" pitchFamily="34" charset="0"/>
+              <a:buChar char="•"/>
+              <a:defRPr sz="1800" kern="1200">
+                <a:solidFill>
+                  <a:schemeClr val="tx1"/>
+                </a:solidFill>
+                <a:latin typeface="+mn-lt"/>
+                <a:ea typeface="+mn-ea"/>
+                <a:cs typeface="+mn-cs"/>
+              </a:defRPr>
+            </a:lvl9pPr>
+          </a:lstStyle>
+          <a:p>
+            <a:pPr marL="0" indent="0">
+              <a:lnSpc>
+                <a:spcPct val="100000"/>
+              </a:lnSpc>
+              <a:spcAft>
+                <a:spcPts val="600"/>
+              </a:spcAft>
+              <a:buNone/>
+            </a:pPr>
+            <a:r>
+              <a:rPr lang="en-US" sz="2000" i="1" dirty="0">
+                <a:solidFill>
+                  <a:schemeClr val="bg2">
+                    <a:lumMod val="40000"/>
+                    <a:lumOff val="60000"/>
+                  </a:schemeClr>
+                </a:solidFill>
+                <a:effectLst>
+                  <a:glow>
+                    <a:schemeClr val="bg1"/>
+                  </a:glow>
+                </a:effectLst>
+              </a:rPr>
+              <a:t>new chat</a:t>
+            </a:r>
+          </a:p>
+        </p:txBody>
+      </p:sp>
+    </p:spTree>
+    <p:extLst>
+      <p:ext uri="{BB962C8B-B14F-4D97-AF65-F5344CB8AC3E}">
+        <p14:creationId xmlns:p14="http://schemas.microsoft.com/office/powerpoint/2010/main" val="3573120634"/>
+      </p:ext>
+    </p:extLst>
+  </p:cSld>
+  <p:clrMapOvr>
+    <a:masterClrMapping/>
+  </p:clrMapOvr>
+  <p:transition>
+    <p:fade/>
+  </p:transition>
+</p:sld>
+</file>
+
+<file path=ppt/slides/slide4.xml><?xml version="1.0" encoding="utf-8"?>
 <p:sld xmlns:a="http://schemas.openxmlformats.org/drawingml/2006/main" xmlns:r="http://schemas.openxmlformats.org/officeDocument/2006/relationships" xmlns:p="http://schemas.openxmlformats.org/presentationml/2006/main">
   <p:cSld>
     <p:spTree>
@@ -7196,7 +9392,7 @@
 </p:sld>
 </file>
 
-<file path=ppt/slides/slide4.xml><?xml version="1.0" encoding="utf-8"?>
+<file path=ppt/slides/slide5.xml><?xml version="1.0" encoding="utf-8"?>
 <p:sld xmlns:a="http://schemas.openxmlformats.org/drawingml/2006/main" xmlns:r="http://schemas.openxmlformats.org/officeDocument/2006/relationships" xmlns:p="http://schemas.openxmlformats.org/presentationml/2006/main">
   <p:cSld>
     <p:spTree>
@@ -9546,7 +11742,7 @@
 </p:sld>
 </file>
 
-<file path=ppt/slides/slide5.xml><?xml version="1.0" encoding="utf-8"?>
+<file path=ppt/slides/slide6.xml><?xml version="1.0" encoding="utf-8"?>
 <p:sld xmlns:a="http://schemas.openxmlformats.org/drawingml/2006/main" xmlns:r="http://schemas.openxmlformats.org/officeDocument/2006/relationships" xmlns:p="http://schemas.openxmlformats.org/presentationml/2006/main" show="0">
   <p:cSld>
     <p:spTree>
